--- a/docs/diagrams/StorageComponentClassDiagram.pptx
+++ b/docs/diagrams/StorageComponentClassDiagram.pptx
@@ -107,6 +107,22 @@
       </a:defRPr>
     </a:lvl9pPr>
   </p:defaultTextStyle>
+  <p:extLst>
+    <p:ext uri="{EFAFB233-063F-42B5-8137-9DF3F51BA10A}">
+      <p15:sldGuideLst xmlns:p15="http://schemas.microsoft.com/office/powerpoint/2012/main">
+        <p15:guide id="1" orient="horz" pos="1488">
+          <p15:clr>
+            <a:srgbClr val="A4A3A4"/>
+          </p15:clr>
+        </p15:guide>
+        <p15:guide id="2" pos="2880">
+          <p15:clr>
+            <a:srgbClr val="A4A3A4"/>
+          </p15:clr>
+        </p15:guide>
+      </p15:sldGuideLst>
+    </p:ext>
+  </p:extLst>
 </p:presentation>
 </file>
 
@@ -192,7 +208,7 @@
           <a:p>
             <a:fld id="{F5CC4B3F-88C1-4FFA-B1B6-F41C21DC6924}" type="datetimeFigureOut">
               <a:rPr lang="en-US" smtClean="0"/>
-              <a:t>10/16/2016</a:t>
+              <a:t>7/7/17</a:t>
             </a:fld>
             <a:endParaRPr lang="en-US"/>
           </a:p>
@@ -641,7 +657,7 @@
           <a:p>
             <a:fld id="{78C97017-6FC3-485B-9764-EAC9E56C1D49}" type="datetimeFigureOut">
               <a:rPr lang="en-US" smtClean="0"/>
-              <a:t>10/16/2016</a:t>
+              <a:t>7/7/17</a:t>
             </a:fld>
             <a:endParaRPr lang="en-US"/>
           </a:p>
@@ -811,7 +827,7 @@
           <a:p>
             <a:fld id="{78C97017-6FC3-485B-9764-EAC9E56C1D49}" type="datetimeFigureOut">
               <a:rPr lang="en-US" smtClean="0"/>
-              <a:t>10/16/2016</a:t>
+              <a:t>7/7/17</a:t>
             </a:fld>
             <a:endParaRPr lang="en-US"/>
           </a:p>
@@ -991,7 +1007,7 @@
           <a:p>
             <a:fld id="{78C97017-6FC3-485B-9764-EAC9E56C1D49}" type="datetimeFigureOut">
               <a:rPr lang="en-US" smtClean="0"/>
-              <a:t>10/16/2016</a:t>
+              <a:t>7/7/17</a:t>
             </a:fld>
             <a:endParaRPr lang="en-US"/>
           </a:p>
@@ -1161,7 +1177,7 @@
           <a:p>
             <a:fld id="{78C97017-6FC3-485B-9764-EAC9E56C1D49}" type="datetimeFigureOut">
               <a:rPr lang="en-US" smtClean="0"/>
-              <a:t>10/16/2016</a:t>
+              <a:t>7/7/17</a:t>
             </a:fld>
             <a:endParaRPr lang="en-US"/>
           </a:p>
@@ -1407,7 +1423,7 @@
           <a:p>
             <a:fld id="{78C97017-6FC3-485B-9764-EAC9E56C1D49}" type="datetimeFigureOut">
               <a:rPr lang="en-US" smtClean="0"/>
-              <a:t>10/16/2016</a:t>
+              <a:t>7/7/17</a:t>
             </a:fld>
             <a:endParaRPr lang="en-US"/>
           </a:p>
@@ -1695,7 +1711,7 @@
           <a:p>
             <a:fld id="{78C97017-6FC3-485B-9764-EAC9E56C1D49}" type="datetimeFigureOut">
               <a:rPr lang="en-US" smtClean="0"/>
-              <a:t>10/16/2016</a:t>
+              <a:t>7/7/17</a:t>
             </a:fld>
             <a:endParaRPr lang="en-US"/>
           </a:p>
@@ -2117,7 +2133,7 @@
           <a:p>
             <a:fld id="{78C97017-6FC3-485B-9764-EAC9E56C1D49}" type="datetimeFigureOut">
               <a:rPr lang="en-US" smtClean="0"/>
-              <a:t>10/16/2016</a:t>
+              <a:t>7/7/17</a:t>
             </a:fld>
             <a:endParaRPr lang="en-US"/>
           </a:p>
@@ -2235,7 +2251,7 @@
           <a:p>
             <a:fld id="{78C97017-6FC3-485B-9764-EAC9E56C1D49}" type="datetimeFigureOut">
               <a:rPr lang="en-US" smtClean="0"/>
-              <a:t>10/16/2016</a:t>
+              <a:t>7/7/17</a:t>
             </a:fld>
             <a:endParaRPr lang="en-US"/>
           </a:p>
@@ -2330,7 +2346,7 @@
           <a:p>
             <a:fld id="{78C97017-6FC3-485B-9764-EAC9E56C1D49}" type="datetimeFigureOut">
               <a:rPr lang="en-US" smtClean="0"/>
-              <a:t>10/16/2016</a:t>
+              <a:t>7/7/17</a:t>
             </a:fld>
             <a:endParaRPr lang="en-US"/>
           </a:p>
@@ -2607,7 +2623,7 @@
           <a:p>
             <a:fld id="{78C97017-6FC3-485B-9764-EAC9E56C1D49}" type="datetimeFigureOut">
               <a:rPr lang="en-US" smtClean="0"/>
-              <a:t>10/16/2016</a:t>
+              <a:t>7/7/17</a:t>
             </a:fld>
             <a:endParaRPr lang="en-US"/>
           </a:p>
@@ -2860,7 +2876,7 @@
           <a:p>
             <a:fld id="{78C97017-6FC3-485B-9764-EAC9E56C1D49}" type="datetimeFigureOut">
               <a:rPr lang="en-US" smtClean="0"/>
-              <a:t>10/16/2016</a:t>
+              <a:t>7/7/17</a:t>
             </a:fld>
             <a:endParaRPr lang="en-US"/>
           </a:p>
@@ -3073,7 +3089,7 @@
           <a:p>
             <a:fld id="{78C97017-6FC3-485B-9764-EAC9E56C1D49}" type="datetimeFigureOut">
               <a:rPr lang="en-US" smtClean="0"/>
-              <a:t>10/16/2016</a:t>
+              <a:t>7/7/17</a:t>
             </a:fld>
             <a:endParaRPr lang="en-US"/>
           </a:p>
@@ -3581,7 +3597,7 @@
                   <a:schemeClr val="bg1"/>
                 </a:solidFill>
               </a:rPr>
-              <a:t>AddressBookStorage</a:t>
+              <a:t>EntryBookStorage</a:t>
             </a:r>
             <a:endParaRPr lang="en-SG" sz="1050" dirty="0">
               <a:solidFill>
@@ -4154,7 +4170,7 @@
                   </a:schemeClr>
                 </a:solidFill>
               </a:rPr>
-              <a:t>XmlAddressBook</a:t>
+              <a:t>XmlEntryBook</a:t>
             </a:r>
             <a:r>
               <a:rPr lang="en-US" sz="1050" b="1" dirty="0" smtClean="0">
@@ -4627,7 +4643,7 @@
                   </a:schemeClr>
                 </a:solidFill>
               </a:rPr>
-              <a:t>AddressBook</a:t>
+              <a:t>EntryBook</a:t>
             </a:r>
             <a:endParaRPr lang="en-SG" sz="1050" b="1" dirty="0">
               <a:solidFill>
@@ -4780,7 +4796,7 @@
                   </a:schemeClr>
                 </a:solidFill>
               </a:rPr>
-              <a:t>XmlAdaptedPerson</a:t>
+              <a:t>XmlAdaptedEntry</a:t>
             </a:r>
             <a:endParaRPr lang="en-SG" sz="1050" b="1" dirty="0">
               <a:solidFill>

--- a/docs/diagrams/StorageComponentClassDiagram.pptx
+++ b/docs/diagrams/StorageComponentClassDiagram.pptx
@@ -208,7 +208,7 @@
           <a:p>
             <a:fld id="{F5CC4B3F-88C1-4FFA-B1B6-F41C21DC6924}" type="datetimeFigureOut">
               <a:rPr lang="en-US" smtClean="0"/>
-              <a:t>7/7/17</a:t>
+              <a:t>7/24/17</a:t>
             </a:fld>
             <a:endParaRPr lang="en-US"/>
           </a:p>
@@ -657,7 +657,7 @@
           <a:p>
             <a:fld id="{78C97017-6FC3-485B-9764-EAC9E56C1D49}" type="datetimeFigureOut">
               <a:rPr lang="en-US" smtClean="0"/>
-              <a:t>7/7/17</a:t>
+              <a:t>7/24/17</a:t>
             </a:fld>
             <a:endParaRPr lang="en-US"/>
           </a:p>
@@ -827,7 +827,7 @@
           <a:p>
             <a:fld id="{78C97017-6FC3-485B-9764-EAC9E56C1D49}" type="datetimeFigureOut">
               <a:rPr lang="en-US" smtClean="0"/>
-              <a:t>7/7/17</a:t>
+              <a:t>7/24/17</a:t>
             </a:fld>
             <a:endParaRPr lang="en-US"/>
           </a:p>
@@ -1007,7 +1007,7 @@
           <a:p>
             <a:fld id="{78C97017-6FC3-485B-9764-EAC9E56C1D49}" type="datetimeFigureOut">
               <a:rPr lang="en-US" smtClean="0"/>
-              <a:t>7/7/17</a:t>
+              <a:t>7/24/17</a:t>
             </a:fld>
             <a:endParaRPr lang="en-US"/>
           </a:p>
@@ -1177,7 +1177,7 @@
           <a:p>
             <a:fld id="{78C97017-6FC3-485B-9764-EAC9E56C1D49}" type="datetimeFigureOut">
               <a:rPr lang="en-US" smtClean="0"/>
-              <a:t>7/7/17</a:t>
+              <a:t>7/24/17</a:t>
             </a:fld>
             <a:endParaRPr lang="en-US"/>
           </a:p>
@@ -1423,7 +1423,7 @@
           <a:p>
             <a:fld id="{78C97017-6FC3-485B-9764-EAC9E56C1D49}" type="datetimeFigureOut">
               <a:rPr lang="en-US" smtClean="0"/>
-              <a:t>7/7/17</a:t>
+              <a:t>7/24/17</a:t>
             </a:fld>
             <a:endParaRPr lang="en-US"/>
           </a:p>
@@ -1711,7 +1711,7 @@
           <a:p>
             <a:fld id="{78C97017-6FC3-485B-9764-EAC9E56C1D49}" type="datetimeFigureOut">
               <a:rPr lang="en-US" smtClean="0"/>
-              <a:t>7/7/17</a:t>
+              <a:t>7/24/17</a:t>
             </a:fld>
             <a:endParaRPr lang="en-US"/>
           </a:p>
@@ -2133,7 +2133,7 @@
           <a:p>
             <a:fld id="{78C97017-6FC3-485B-9764-EAC9E56C1D49}" type="datetimeFigureOut">
               <a:rPr lang="en-US" smtClean="0"/>
-              <a:t>7/7/17</a:t>
+              <a:t>7/24/17</a:t>
             </a:fld>
             <a:endParaRPr lang="en-US"/>
           </a:p>
@@ -2251,7 +2251,7 @@
           <a:p>
             <a:fld id="{78C97017-6FC3-485B-9764-EAC9E56C1D49}" type="datetimeFigureOut">
               <a:rPr lang="en-US" smtClean="0"/>
-              <a:t>7/7/17</a:t>
+              <a:t>7/24/17</a:t>
             </a:fld>
             <a:endParaRPr lang="en-US"/>
           </a:p>
@@ -2346,7 +2346,7 @@
           <a:p>
             <a:fld id="{78C97017-6FC3-485B-9764-EAC9E56C1D49}" type="datetimeFigureOut">
               <a:rPr lang="en-US" smtClean="0"/>
-              <a:t>7/7/17</a:t>
+              <a:t>7/24/17</a:t>
             </a:fld>
             <a:endParaRPr lang="en-US"/>
           </a:p>
@@ -2623,7 +2623,7 @@
           <a:p>
             <a:fld id="{78C97017-6FC3-485B-9764-EAC9E56C1D49}" type="datetimeFigureOut">
               <a:rPr lang="en-US" smtClean="0"/>
-              <a:t>7/7/17</a:t>
+              <a:t>7/24/17</a:t>
             </a:fld>
             <a:endParaRPr lang="en-US"/>
           </a:p>
@@ -2876,7 +2876,7 @@
           <a:p>
             <a:fld id="{78C97017-6FC3-485B-9764-EAC9E56C1D49}" type="datetimeFigureOut">
               <a:rPr lang="en-US" smtClean="0"/>
-              <a:t>7/7/17</a:t>
+              <a:t>7/24/17</a:t>
             </a:fld>
             <a:endParaRPr lang="en-US"/>
           </a:p>
@@ -3089,7 +3089,7 @@
           <a:p>
             <a:fld id="{78C97017-6FC3-485B-9764-EAC9E56C1D49}" type="datetimeFigureOut">
               <a:rPr lang="en-US" smtClean="0"/>
-              <a:t>7/7/17</a:t>
+              <a:t>7/24/17</a:t>
             </a:fld>
             <a:endParaRPr lang="en-US"/>
           </a:p>
@@ -3472,8 +3472,8 @@
         </p:nvSpPr>
         <p:spPr>
           <a:xfrm>
-            <a:off x="1119865" y="2086382"/>
-            <a:ext cx="7871735" cy="1723618"/>
+            <a:off x="904896" y="2094353"/>
+            <a:ext cx="8081510" cy="1868047"/>
           </a:xfrm>
           <a:prstGeom prst="roundRect">
             <a:avLst>
@@ -3537,7 +3537,7 @@
         </p:nvSpPr>
         <p:spPr>
           <a:xfrm>
-            <a:off x="2877180" y="3158440"/>
+            <a:off x="2877180" y="2918006"/>
             <a:ext cx="1323049" cy="346760"/>
           </a:xfrm>
           <a:prstGeom prst="rect">
@@ -3597,7 +3597,7 @@
                   <a:schemeClr val="bg1"/>
                 </a:solidFill>
               </a:rPr>
-              <a:t>EntryBookStorage</a:t>
+              <a:t>UserPrefsStorage</a:t>
             </a:r>
             <a:endParaRPr lang="en-SG" sz="1050" dirty="0">
               <a:solidFill>
@@ -3809,9 +3809,9 @@
           <p:nvPr/>
         </p:nvCxnSpPr>
         <p:spPr>
-          <a:xfrm>
-            <a:off x="2656370" y="3326536"/>
-            <a:ext cx="220810" cy="5284"/>
+          <a:xfrm flipV="1">
+            <a:off x="2614729" y="3091386"/>
+            <a:ext cx="262451" cy="3107"/>
           </a:xfrm>
           <a:prstGeom prst="straightConnector1">
             <a:avLst/>
@@ -3936,7 +3936,7 @@
         </p:nvSpPr>
         <p:spPr>
           <a:xfrm>
-            <a:off x="2420322" y="3239846"/>
+            <a:off x="2378681" y="3007803"/>
             <a:ext cx="236048" cy="173380"/>
           </a:xfrm>
           <a:prstGeom prst="flowChartDecision">
@@ -3990,8 +3990,8 @@
         </p:nvCxnSpPr>
         <p:spPr>
           <a:xfrm flipV="1">
-            <a:off x="4398041" y="3331820"/>
-            <a:ext cx="223324" cy="1"/>
+            <a:off x="4395898" y="3125882"/>
+            <a:ext cx="209844" cy="3633"/>
           </a:xfrm>
           <a:prstGeom prst="bentConnector3">
             <a:avLst>
@@ -4033,7 +4033,7 @@
         </p:nvSpPr>
         <p:spPr>
           <a:xfrm rot="5400000" flipV="1">
-            <a:off x="4175027" y="3244059"/>
+            <a:off x="4172884" y="3041753"/>
             <a:ext cx="270504" cy="175523"/>
           </a:xfrm>
           <a:prstGeom prst="triangle">
@@ -4090,9 +4090,9 @@
           <p:nvPr/>
         </p:nvCxnSpPr>
         <p:spPr>
-          <a:xfrm>
-            <a:off x="5791200" y="3331820"/>
-            <a:ext cx="228600" cy="1970"/>
+          <a:xfrm flipV="1">
+            <a:off x="5775577" y="3113487"/>
+            <a:ext cx="240865" cy="12395"/>
           </a:xfrm>
           <a:prstGeom prst="bentConnector3">
             <a:avLst>
@@ -4134,7 +4134,7 @@
         </p:nvSpPr>
         <p:spPr>
           <a:xfrm>
-            <a:off x="4621365" y="3158440"/>
+            <a:off x="4605742" y="2952502"/>
             <a:ext cx="1169835" cy="346760"/>
           </a:xfrm>
           <a:prstGeom prst="rect">
@@ -4219,7 +4219,7 @@
         </p:nvSpPr>
         <p:spPr>
           <a:xfrm>
-            <a:off x="2873943" y="2558040"/>
+            <a:off x="2877180" y="2438093"/>
             <a:ext cx="1323049" cy="346760"/>
           </a:xfrm>
           <a:prstGeom prst="rect">
@@ -4274,12 +4274,20 @@
               </a:rPr>
             </a:br>
             <a:r>
-              <a:rPr lang="en-US" sz="1050" dirty="0" err="1" smtClean="0">
+              <a:rPr lang="en-US" sz="1050" dirty="0">
                 <a:solidFill>
                   <a:schemeClr val="bg1"/>
                 </a:solidFill>
               </a:rPr>
-              <a:t>UserPrefsStorage</a:t>
+              <a:t> </a:t>
+            </a:r>
+            <a:r>
+              <a:rPr lang="en-US" sz="1050" dirty="0" err="1">
+                <a:solidFill>
+                  <a:schemeClr val="bg1"/>
+                </a:solidFill>
+              </a:rPr>
+              <a:t>EntryBookStorage</a:t>
             </a:r>
             <a:endParaRPr lang="en-SG" sz="1050" dirty="0">
               <a:solidFill>
@@ -4299,9 +4307,9 @@
           <p:nvPr/>
         </p:nvCxnSpPr>
         <p:spPr>
-          <a:xfrm>
-            <a:off x="2653133" y="2726136"/>
-            <a:ext cx="220810" cy="5284"/>
+          <a:xfrm flipV="1">
+            <a:off x="2640209" y="2611473"/>
+            <a:ext cx="236971" cy="2227"/>
           </a:xfrm>
           <a:prstGeom prst="straightConnector1">
             <a:avLst/>
@@ -4340,7 +4348,7 @@
         </p:nvSpPr>
         <p:spPr>
           <a:xfrm>
-            <a:off x="2417085" y="2639446"/>
+            <a:off x="2404161" y="2527010"/>
             <a:ext cx="236048" cy="173380"/>
           </a:xfrm>
           <a:prstGeom prst="flowChartDecision">
@@ -4394,8 +4402,8 @@
         </p:nvCxnSpPr>
         <p:spPr>
           <a:xfrm flipV="1">
-            <a:off x="4394804" y="2731420"/>
-            <a:ext cx="223324" cy="1"/>
+            <a:off x="4395898" y="2649702"/>
+            <a:ext cx="227533" cy="1335"/>
           </a:xfrm>
           <a:prstGeom prst="bentConnector3">
             <a:avLst>
@@ -4437,7 +4445,7 @@
         </p:nvSpPr>
         <p:spPr>
           <a:xfrm rot="5400000" flipV="1">
-            <a:off x="4171790" y="2643659"/>
+            <a:off x="4172884" y="2563275"/>
             <a:ext cx="270504" cy="175523"/>
           </a:xfrm>
           <a:prstGeom prst="triangle">
@@ -4492,7 +4500,7 @@
         </p:nvSpPr>
         <p:spPr>
           <a:xfrm>
-            <a:off x="4618128" y="2558040"/>
+            <a:off x="4623431" y="2476322"/>
             <a:ext cx="1093635" cy="346760"/>
           </a:xfrm>
           <a:prstGeom prst="rect">
@@ -4578,7 +4586,7 @@
         </p:nvSpPr>
         <p:spPr>
           <a:xfrm>
-            <a:off x="6019800" y="3160410"/>
+            <a:off x="6016442" y="2940107"/>
             <a:ext cx="1200707" cy="346760"/>
           </a:xfrm>
           <a:prstGeom prst="rect">
@@ -4666,8 +4674,8 @@
         </p:nvCxnSpPr>
         <p:spPr>
           <a:xfrm rot="5400000" flipH="1" flipV="1">
-            <a:off x="8077993" y="2992020"/>
-            <a:ext cx="335208" cy="12700"/>
+            <a:off x="8106116" y="2800626"/>
+            <a:ext cx="278963" cy="12700"/>
           </a:xfrm>
           <a:prstGeom prst="bentConnector3">
             <a:avLst>
@@ -4704,7 +4712,7 @@
         </p:nvSpPr>
         <p:spPr>
           <a:xfrm>
-            <a:off x="7615738" y="2477656"/>
+            <a:off x="7615738" y="2314384"/>
             <a:ext cx="1259718" cy="346760"/>
           </a:xfrm>
           <a:prstGeom prst="rect">
@@ -4760,7 +4768,7 @@
         </p:nvSpPr>
         <p:spPr>
           <a:xfrm>
-            <a:off x="7615738" y="3159624"/>
+            <a:off x="7615738" y="2940107"/>
             <a:ext cx="1259718" cy="346760"/>
           </a:xfrm>
           <a:prstGeom prst="rect">
@@ -4818,9 +4826,9 @@
           <p:nvPr/>
         </p:nvCxnSpPr>
         <p:spPr>
-          <a:xfrm flipV="1">
-            <a:off x="7220507" y="3333004"/>
-            <a:ext cx="395231" cy="786"/>
+          <a:xfrm>
+            <a:off x="7217149" y="3113487"/>
+            <a:ext cx="398589" cy="12700"/>
           </a:xfrm>
           <a:prstGeom prst="bentConnector3">
             <a:avLst>
@@ -4843,6 +4851,177 @@
           </a:fillRef>
           <a:effectRef idx="1">
             <a:schemeClr val="accent6"/>
+          </a:effectRef>
+          <a:fontRef idx="minor">
+            <a:schemeClr val="dk1"/>
+          </a:fontRef>
+        </p:style>
+      </p:cxnSp>
+      <p:sp>
+        <p:nvSpPr>
+          <p:cNvPr id="32" name="Rectangle 8"/>
+          <p:cNvSpPr/>
+          <p:nvPr/>
+        </p:nvSpPr>
+        <p:spPr>
+          <a:xfrm>
+            <a:off x="2887015" y="3362773"/>
+            <a:ext cx="1323049" cy="346760"/>
+          </a:xfrm>
+          <a:prstGeom prst="rect">
+            <a:avLst/>
+          </a:prstGeom>
+          <a:solidFill>
+            <a:schemeClr val="accent6">
+              <a:lumMod val="75000"/>
+            </a:schemeClr>
+          </a:solidFill>
+          <a:ln w="19050">
+            <a:solidFill>
+              <a:schemeClr val="accent6">
+                <a:lumMod val="75000"/>
+              </a:schemeClr>
+            </a:solidFill>
+          </a:ln>
+          <a:effectLst/>
+        </p:spPr>
+        <p:style>
+          <a:lnRef idx="1">
+            <a:schemeClr val="accent2"/>
+          </a:lnRef>
+          <a:fillRef idx="2">
+            <a:schemeClr val="accent2"/>
+          </a:fillRef>
+          <a:effectRef idx="1">
+            <a:schemeClr val="accent2"/>
+          </a:effectRef>
+          <a:fontRef idx="minor">
+            <a:schemeClr val="dk1"/>
+          </a:fontRef>
+        </p:style>
+        <p:txBody>
+          <a:bodyPr rtlCol="0" anchor="ctr"/>
+          <a:lstStyle/>
+          <a:p>
+            <a:pPr algn="ctr"/>
+            <a:r>
+              <a:rPr lang="en-US" sz="1050" dirty="0" smtClean="0">
+                <a:solidFill>
+                  <a:schemeClr val="bg1"/>
+                </a:solidFill>
+              </a:rPr>
+              <a:t>&lt;&lt;interface&gt;&gt;</a:t>
+            </a:r>
+            <a:br>
+              <a:rPr lang="en-US" sz="1050" dirty="0" smtClean="0">
+                <a:solidFill>
+                  <a:schemeClr val="bg1"/>
+                </a:solidFill>
+              </a:rPr>
+            </a:br>
+            <a:r>
+              <a:rPr lang="en-US" sz="1050" dirty="0" err="1" smtClean="0">
+                <a:solidFill>
+                  <a:schemeClr val="bg1"/>
+                </a:solidFill>
+              </a:rPr>
+              <a:t>StorageUserPrefs</a:t>
+            </a:r>
+            <a:endParaRPr lang="en-SG" sz="1050" dirty="0">
+              <a:solidFill>
+                <a:schemeClr val="bg1"/>
+              </a:solidFill>
+            </a:endParaRPr>
+          </a:p>
+        </p:txBody>
+      </p:sp>
+      <p:sp>
+        <p:nvSpPr>
+          <p:cNvPr id="48" name="Flowchart: Decision 96"/>
+          <p:cNvSpPr/>
+          <p:nvPr/>
+        </p:nvSpPr>
+        <p:spPr>
+          <a:xfrm>
+            <a:off x="2391421" y="3413378"/>
+            <a:ext cx="236048" cy="173380"/>
+          </a:xfrm>
+          <a:prstGeom prst="flowChartDecision">
+            <a:avLst/>
+          </a:prstGeom>
+          <a:noFill/>
+          <a:ln w="19050">
+            <a:solidFill>
+              <a:schemeClr val="accent6">
+                <a:lumMod val="75000"/>
+              </a:schemeClr>
+            </a:solidFill>
+          </a:ln>
+          <a:effectLst/>
+        </p:spPr>
+        <p:style>
+          <a:lnRef idx="1">
+            <a:schemeClr val="accent2"/>
+          </a:lnRef>
+          <a:fillRef idx="2">
+            <a:schemeClr val="accent2"/>
+          </a:fillRef>
+          <a:effectRef idx="1">
+            <a:schemeClr val="accent2"/>
+          </a:effectRef>
+          <a:fontRef idx="minor">
+            <a:schemeClr val="dk1"/>
+          </a:fontRef>
+        </p:style>
+        <p:txBody>
+          <a:bodyPr rtlCol="0" anchor="ctr"/>
+          <a:lstStyle/>
+          <a:p>
+            <a:pPr algn="ctr"/>
+            <a:endParaRPr lang="en-US" sz="1050">
+              <a:solidFill>
+                <a:schemeClr val="bg1"/>
+              </a:solidFill>
+            </a:endParaRPr>
+          </a:p>
+        </p:txBody>
+      </p:sp>
+      <p:cxnSp>
+        <p:nvCxnSpPr>
+          <p:cNvPr id="49" name="Straight Arrow Connector 48"/>
+          <p:cNvCxnSpPr>
+            <a:endCxn id="49" idx="1"/>
+          </p:cNvCxnSpPr>
+          <p:nvPr/>
+        </p:nvCxnSpPr>
+        <p:spPr>
+          <a:xfrm flipV="1">
+            <a:off x="2627468" y="3509929"/>
+            <a:ext cx="262451" cy="3107"/>
+          </a:xfrm>
+          <a:prstGeom prst="straightConnector1">
+            <a:avLst/>
+          </a:prstGeom>
+          <a:ln w="19050">
+            <a:solidFill>
+              <a:schemeClr val="accent6">
+                <a:lumMod val="75000"/>
+              </a:schemeClr>
+            </a:solidFill>
+            <a:headEnd type="none" w="med" len="med"/>
+            <a:tailEnd type="arrow" w="med" len="med"/>
+          </a:ln>
+          <a:effectLst/>
+        </p:spPr>
+        <p:style>
+          <a:lnRef idx="1">
+            <a:schemeClr val="accent2"/>
+          </a:lnRef>
+          <a:fillRef idx="2">
+            <a:schemeClr val="accent2"/>
+          </a:fillRef>
+          <a:effectRef idx="1">
+            <a:schemeClr val="accent2"/>
           </a:effectRef>
           <a:fontRef idx="minor">
             <a:schemeClr val="dk1"/>
